--- a/JavaScript/Slide/Chapter 7_How to work with numbers, strings, and dates.pptx
+++ b/JavaScript/Slide/Chapter 7_How to work with numbers, strings, and dates.pptx
@@ -241,6 +241,139 @@
 </p:presentation>
 </file>
 
+<file path=ppt/commentAuthors.xml><?xml version="1.0" encoding="utf-8"?>
+<p:cmAuthorLst xmlns:a="http://schemas.openxmlformats.org/drawingml/2006/main" xmlns:r="http://schemas.openxmlformats.org/officeDocument/2006/relationships" xmlns:p="http://schemas.openxmlformats.org/presentationml/2006/main">
+  <p:cmAuthor id="1" name="Pdviet5073" initials="P" lastIdx="11" clrIdx="0">
+    <p:extLst>
+      <p:ext uri="{19B8F6BF-5375-455C-9EA6-DF929625EA0E}">
+        <p15:presenceInfo xmlns:p15="http://schemas.microsoft.com/office/powerpoint/2012/main" userId="Pdviet5073" providerId="None"/>
+      </p:ext>
+    </p:extLst>
+  </p:cmAuthor>
+</p:cmAuthorLst>
+</file>
+
+<file path=ppt/comments/comment1.xml><?xml version="1.0" encoding="utf-8"?>
+<p:cmLst xmlns:a="http://schemas.openxmlformats.org/drawingml/2006/main" xmlns:r="http://schemas.openxmlformats.org/officeDocument/2006/relationships" xmlns:p="http://schemas.openxmlformats.org/presentationml/2006/main">
+  <p:cm authorId="1" dt="2020-06-15T18:53:46.524" idx="1">
+    <p:pos x="10" y="10"/>
+    <p:text>charAt: trả về value ở vị trí đc chọn
+concat: nối các đoạn string</p:text>
+    <p:extLst>
+      <p:ext uri="{C676402C-5697-4E1C-873F-D02D1690AC5C}">
+        <p15:threadingInfo xmlns:p15="http://schemas.microsoft.com/office/powerpoint/2012/main" timeZoneBias="-420"/>
+      </p:ext>
+    </p:extLst>
+  </p:cm>
+  <p:cm authorId="1" dt="2020-06-15T18:57:13.222" idx="2">
+    <p:pos x="10" y="106"/>
+    <p:text>substr: tạo 1 string mới từ string cũ, bắt đầu từ start, độ dài length</p:text>
+    <p:extLst>
+      <p:ext uri="{C676402C-5697-4E1C-873F-D02D1690AC5C}">
+        <p15:threadingInfo xmlns:p15="http://schemas.microsoft.com/office/powerpoint/2012/main" timeZoneBias="-420">
+          <p15:parentCm authorId="1" idx="1"/>
+        </p15:threadingInfo>
+      </p:ext>
+    </p:extLst>
+  </p:cm>
+  <p:cm authorId="1" dt="2020-06-15T18:58:58.563" idx="3">
+    <p:pos x="10" y="202"/>
+    <p:text>substring: cắt string từ vị trí start, đến vị trí kết thúc end</p:text>
+    <p:extLst>
+      <p:ext uri="{C676402C-5697-4E1C-873F-D02D1690AC5C}">
+        <p15:threadingInfo xmlns:p15="http://schemas.microsoft.com/office/powerpoint/2012/main" timeZoneBias="-420">
+          <p15:parentCm authorId="1" idx="1"/>
+        </p15:threadingInfo>
+      </p:ext>
+    </p:extLst>
+  </p:cm>
+  <p:cm authorId="1" dt="2020-06-15T19:00:43.811" idx="5">
+    <p:pos x="10" y="394"/>
+    <p:text>indexOf: tìm kiếm vị trí của giá trị đc chọn, chỉ tiền đến khi thấy vị trí đầu tiên và không tìm nữa. trả về -1 nếu k tìm thấy</p:text>
+    <p:extLst>
+      <p:ext uri="{C676402C-5697-4E1C-873F-D02D1690AC5C}">
+        <p15:threadingInfo xmlns:p15="http://schemas.microsoft.com/office/powerpoint/2012/main" timeZoneBias="-420">
+          <p15:parentCm authorId="1" idx="1"/>
+        </p15:threadingInfo>
+      </p:ext>
+    </p:extLst>
+  </p:cm>
+  <p:cm authorId="1" dt="2020-06-15T19:01:14.539" idx="6">
+    <p:pos x="10" y="490"/>
+    <p:text>toLowerCase: chuyển hoa sang thường</p:text>
+    <p:extLst>
+      <p:ext uri="{C676402C-5697-4E1C-873F-D02D1690AC5C}">
+        <p15:threadingInfo xmlns:p15="http://schemas.microsoft.com/office/powerpoint/2012/main" timeZoneBias="-420">
+          <p15:parentCm authorId="1" idx="1"/>
+        </p15:threadingInfo>
+      </p:ext>
+    </p:extLst>
+  </p:cm>
+</p:cmLst>
+</file>
+
+<file path=ppt/comments/comment2.xml><?xml version="1.0" encoding="utf-8"?>
+<p:cmLst xmlns:a="http://schemas.openxmlformats.org/drawingml/2006/main" xmlns:r="http://schemas.openxmlformats.org/officeDocument/2006/relationships" xmlns:p="http://schemas.openxmlformats.org/presentationml/2006/main">
+  <p:cm authorId="1" dt="2020-06-15T19:06:27.549" idx="7">
+    <p:pos x="10" y="10"/>
+    <p:text>NOTE
+tháng có format là : tháng+1</p:text>
+    <p:extLst>
+      <p:ext uri="{C676402C-5697-4E1C-873F-D02D1690AC5C}">
+        <p15:threadingInfo xmlns:p15="http://schemas.microsoft.com/office/powerpoint/2012/main" timeZoneBias="-420"/>
+      </p:ext>
+    </p:extLst>
+  </p:cm>
+  <p:cm authorId="1" dt="2020-06-15T19:07:35.547" idx="8">
+    <p:pos x="10" y="106"/>
+    <p:text>toDateString: trả về ngày tháng năm</p:text>
+    <p:extLst>
+      <p:ext uri="{C676402C-5697-4E1C-873F-D02D1690AC5C}">
+        <p15:threadingInfo xmlns:p15="http://schemas.microsoft.com/office/powerpoint/2012/main" timeZoneBias="-420">
+          <p15:parentCm authorId="1" idx="7"/>
+        </p15:threadingInfo>
+      </p:ext>
+    </p:extLst>
+  </p:cm>
+  <p:cm authorId="1" dt="2020-06-15T19:07:53.195" idx="9">
+    <p:pos x="10" y="202"/>
+    <p:text>toTimeString: trả về giờ phút giây</p:text>
+    <p:extLst>
+      <p:ext uri="{C676402C-5697-4E1C-873F-D02D1690AC5C}">
+        <p15:threadingInfo xmlns:p15="http://schemas.microsoft.com/office/powerpoint/2012/main" timeZoneBias="-420">
+          <p15:parentCm authorId="1" idx="7"/>
+        </p15:threadingInfo>
+      </p:ext>
+    </p:extLst>
+  </p:cm>
+</p:cmLst>
+</file>
+
+<file path=ppt/comments/comment3.xml><?xml version="1.0" encoding="utf-8"?>
+<p:cmLst xmlns:a="http://schemas.openxmlformats.org/drawingml/2006/main" xmlns:r="http://schemas.openxmlformats.org/officeDocument/2006/relationships" xmlns:p="http://schemas.openxmlformats.org/presentationml/2006/main">
+  <p:cm authorId="1" dt="2020-06-15T19:08:14.325" idx="10">
+    <p:pos x="10" y="10"/>
+    <p:text>getTime: trả về giá trị float là miliseconds</p:text>
+    <p:extLst>
+      <p:ext uri="{C676402C-5697-4E1C-873F-D02D1690AC5C}">
+        <p15:threadingInfo xmlns:p15="http://schemas.microsoft.com/office/powerpoint/2012/main" timeZoneBias="-420"/>
+      </p:ext>
+    </p:extLst>
+  </p:cm>
+  <p:cm authorId="1" dt="2020-06-15T19:09:19.739" idx="11">
+    <p:pos x="10" y="106"/>
+    <p:text>getMonth: trả về tháng hiện tại -1</p:text>
+    <p:extLst>
+      <p:ext uri="{C676402C-5697-4E1C-873F-D02D1690AC5C}">
+        <p15:threadingInfo xmlns:p15="http://schemas.microsoft.com/office/powerpoint/2012/main" timeZoneBias="-420">
+          <p15:parentCm authorId="1" idx="10"/>
+        </p15:threadingInfo>
+      </p:ext>
+    </p:extLst>
+  </p:cm>
+</p:cmLst>
+</file>
+
 <file path=ppt/notesMasters/notesMaster1.xml><?xml version="1.0" encoding="utf-8"?>
 <p:notesMaster xmlns:a="http://schemas.openxmlformats.org/drawingml/2006/main" xmlns:r="http://schemas.openxmlformats.org/officeDocument/2006/relationships" xmlns:p="http://schemas.openxmlformats.org/presentationml/2006/main">
   <p:cSld>
@@ -324,7 +457,7 @@
             <a:fld id="{524DC8F9-1DCD-4754-A44C-6EBB62BDA97B}" type="datetimeFigureOut">
               <a:rPr lang="en-US" smtClean="0"/>
               <a:pPr/>
-              <a:t>6/15/2019</a:t>
+              <a:t>6/15/2020</a:t>
             </a:fld>
             <a:endParaRPr lang="en-US"/>
           </a:p>
